--- a/_SLIDES/2020_DEEL1/H2- De basiconcepten van cs/H2_2_Datatypes.pptx
+++ b/_SLIDES/2020_DEEL1/H2- De basiconcepten van cs/H2_2_Datatypes.pptx
@@ -5,10 +5,10 @@
     <p:sldMasterId id="2147483684" r:id="rId1"/>
   </p:sldMasterIdLst>
   <p:notesMasterIdLst>
-    <p:notesMasterId r:id="rId21"/>
+    <p:notesMasterId r:id="rId22"/>
   </p:notesMasterIdLst>
   <p:handoutMasterIdLst>
-    <p:handoutMasterId r:id="rId22"/>
+    <p:handoutMasterId r:id="rId23"/>
   </p:handoutMasterIdLst>
   <p:sldIdLst>
     <p:sldId id="289" r:id="rId2"/>
@@ -30,35 +30,36 @@
     <p:sldId id="281" r:id="rId18"/>
     <p:sldId id="282" r:id="rId19"/>
     <p:sldId id="259" r:id="rId20"/>
+    <p:sldId id="330" r:id="rId21"/>
   </p:sldIdLst>
   <p:sldSz cx="12192000" cy="6858000"/>
   <p:notesSz cx="7099300" cy="10234613"/>
   <p:embeddedFontLst>
     <p:embeddedFont>
       <p:font typeface="Archivo Narrow" panose="020B0604020202020204" charset="0"/>
-      <p:regular r:id="rId23"/>
-      <p:bold r:id="rId24"/>
-      <p:italic r:id="rId25"/>
+      <p:regular r:id="rId24"/>
+      <p:bold r:id="rId25"/>
+      <p:italic r:id="rId26"/>
     </p:embeddedFont>
     <p:embeddedFont>
       <p:font typeface="Blogger Sans" panose="02000506030000020004" charset="0"/>
-      <p:regular r:id="rId26"/>
-      <p:bold r:id="rId27"/>
-      <p:italic r:id="rId28"/>
+      <p:regular r:id="rId27"/>
+      <p:bold r:id="rId28"/>
+      <p:italic r:id="rId29"/>
     </p:embeddedFont>
     <p:embeddedFont>
       <p:font typeface="Calibri" panose="020F0502020204030204" pitchFamily="34" charset="0"/>
-      <p:regular r:id="rId29"/>
-      <p:bold r:id="rId30"/>
-      <p:italic r:id="rId31"/>
-      <p:boldItalic r:id="rId32"/>
+      <p:regular r:id="rId30"/>
+      <p:bold r:id="rId31"/>
+      <p:italic r:id="rId32"/>
+      <p:boldItalic r:id="rId33"/>
     </p:embeddedFont>
     <p:embeddedFont>
       <p:font typeface="Times" panose="02020603050405020304" pitchFamily="18" charset="0"/>
-      <p:regular r:id="rId33"/>
-      <p:bold r:id="rId34"/>
-      <p:italic r:id="rId35"/>
-      <p:boldItalic r:id="rId36"/>
+      <p:regular r:id="rId34"/>
+      <p:bold r:id="rId35"/>
+      <p:italic r:id="rId36"/>
+      <p:boldItalic r:id="rId37"/>
     </p:embeddedFont>
   </p:embeddedFontLst>
   <p:defaultTextStyle>
@@ -3610,7 +3611,7 @@
           <a:p>
             <a:fld id="{85EE1F57-E73E-475C-872F-886F27274373}" type="datetimeFigureOut">
               <a:rPr lang="nl-BE" smtClean="0"/>
-              <a:t>28/09/2020</a:t>
+              <a:t>2/05/2023</a:t>
             </a:fld>
             <a:endParaRPr lang="nl-BE"/>
           </a:p>
@@ -3775,7 +3776,7 @@
           <a:p>
             <a:fld id="{E0BBF532-A5DD-4E27-82A5-D972027CDA5D}" type="datetimeFigureOut">
               <a:rPr lang="nl-BE" smtClean="0"/>
-              <a:t>28/09/2020</a:t>
+              <a:t>2/05/2023</a:t>
             </a:fld>
             <a:endParaRPr lang="nl-BE"/>
           </a:p>
@@ -4298,7 +4299,7 @@
           <a:p>
             <a:fld id="{36003702-A101-4BD4-8AD7-96FBD908EC64}" type="datetime1">
               <a:rPr lang="nl-BE" smtClean="0"/>
-              <a:t>28/09/2020</a:t>
+              <a:t>2/05/2023</a:t>
             </a:fld>
             <a:endParaRPr lang="nl-BE" dirty="0"/>
           </a:p>
@@ -4326,10 +4327,9 @@
           <a:lstStyle/>
           <a:p>
             <a:r>
-              <a:rPr lang="nl-BE"/>
-              <a:t>Zie Scherp</a:t>
-            </a:r>
-            <a:endParaRPr lang="nl-BE" dirty="0"/>
+              <a:rPr lang="nl-BE" dirty="0"/>
+              <a:t>Zie Scherp Scherper</a:t>
+            </a:r>
           </a:p>
         </p:txBody>
       </p:sp>
@@ -4595,7 +4595,7 @@
           <a:p>
             <a:fld id="{FB98F814-2EAF-4B96-B142-924E89393194}" type="datetime1">
               <a:rPr lang="nl-BE" smtClean="0"/>
-              <a:t>28/09/2020</a:t>
+              <a:t>2/05/2023</a:t>
             </a:fld>
             <a:endParaRPr lang="nl-BE"/>
           </a:p>
@@ -4623,8 +4623,8 @@
           <a:lstStyle/>
           <a:p>
             <a:r>
-              <a:rPr lang="nl-BE"/>
-              <a:t>Zie Scherp</a:t>
+              <a:rPr lang="nl-BE" dirty="0"/>
+              <a:t>Zie Scherp Scherper</a:t>
             </a:r>
           </a:p>
         </p:txBody>
@@ -4808,7 +4808,7 @@
           <a:p>
             <a:fld id="{E2559EBD-FFD9-445F-B912-4E503465C563}" type="datetime1">
               <a:rPr lang="nl-BE" smtClean="0"/>
-              <a:t>28/09/2020</a:t>
+              <a:t>2/05/2023</a:t>
             </a:fld>
             <a:endParaRPr lang="nl-BE"/>
           </a:p>
@@ -4836,8 +4836,8 @@
           <a:lstStyle/>
           <a:p>
             <a:r>
-              <a:rPr lang="nl-BE"/>
-              <a:t>Zie Scherp</a:t>
+              <a:rPr lang="nl-BE" dirty="0"/>
+              <a:t>Zie Scherp Scherper</a:t>
             </a:r>
           </a:p>
         </p:txBody>
@@ -5041,7 +5041,7 @@
           <a:p>
             <a:fld id="{1717ECAD-8DA2-43C1-842C-D0D11BFA3E62}" type="datetime1">
               <a:rPr lang="nl-BE" smtClean="0"/>
-              <a:t>28/09/2020</a:t>
+              <a:t>2/05/2023</a:t>
             </a:fld>
             <a:endParaRPr lang="nl-BE"/>
           </a:p>
@@ -5069,10 +5069,9 @@
           <a:lstStyle/>
           <a:p>
             <a:r>
-              <a:rPr lang="nl-BE"/>
-              <a:t>Zie Scherp</a:t>
-            </a:r>
-            <a:endParaRPr lang="nl-BE" dirty="0"/>
+              <a:rPr lang="nl-BE" dirty="0"/>
+              <a:t>Zie Scherp Scherper</a:t>
+            </a:r>
           </a:p>
         </p:txBody>
       </p:sp>
@@ -5321,7 +5320,7 @@
           <a:p>
             <a:fld id="{F8E292AA-4D98-48DA-84F8-7773EDEEC1C5}" type="datetime1">
               <a:rPr lang="nl-BE" smtClean="0"/>
-              <a:t>28/09/2020</a:t>
+              <a:t>2/05/2023</a:t>
             </a:fld>
             <a:endParaRPr lang="nl-BE"/>
           </a:p>
@@ -5349,8 +5348,8 @@
           <a:lstStyle/>
           <a:p>
             <a:r>
-              <a:rPr lang="nl-BE"/>
-              <a:t>Zie Scherp</a:t>
+              <a:rPr lang="nl-BE" dirty="0"/>
+              <a:t>Zie Scherp Scherper</a:t>
             </a:r>
           </a:p>
         </p:txBody>
@@ -5592,7 +5591,7 @@
           <a:p>
             <a:fld id="{7C049EFB-2A16-4E33-ADA4-B7C7BAA10166}" type="datetime1">
               <a:rPr lang="nl-BE" smtClean="0"/>
-              <a:t>28/09/2020</a:t>
+              <a:t>2/05/2023</a:t>
             </a:fld>
             <a:endParaRPr lang="nl-BE"/>
           </a:p>
@@ -5620,8 +5619,8 @@
           <a:lstStyle/>
           <a:p>
             <a:r>
-              <a:rPr lang="nl-BE"/>
-              <a:t>Zie Scherp</a:t>
+              <a:rPr lang="nl-BE" dirty="0"/>
+              <a:t>Zie Scherp Scherper</a:t>
             </a:r>
           </a:p>
         </p:txBody>
@@ -6010,7 +6009,7 @@
           <a:p>
             <a:fld id="{88DF7464-58A2-4AC3-8D4F-E9B9A6A49E96}" type="datetime1">
               <a:rPr lang="nl-BE" smtClean="0"/>
-              <a:t>28/09/2020</a:t>
+              <a:t>2/05/2023</a:t>
             </a:fld>
             <a:endParaRPr lang="nl-BE"/>
           </a:p>
@@ -6038,8 +6037,8 @@
           <a:lstStyle/>
           <a:p>
             <a:r>
-              <a:rPr lang="nl-BE"/>
-              <a:t>Zie Scherp</a:t>
+              <a:rPr lang="nl-BE" dirty="0"/>
+              <a:t>Zie Scherp Scherper</a:t>
             </a:r>
           </a:p>
         </p:txBody>
@@ -6155,7 +6154,7 @@
           <a:p>
             <a:fld id="{A4A8A232-6BEF-468D-B04A-87BCBA00D5E7}" type="datetime1">
               <a:rPr lang="nl-BE" smtClean="0"/>
-              <a:t>28/09/2020</a:t>
+              <a:t>2/05/2023</a:t>
             </a:fld>
             <a:endParaRPr lang="nl-BE"/>
           </a:p>
@@ -6183,8 +6182,8 @@
           <a:lstStyle/>
           <a:p>
             <a:r>
-              <a:rPr lang="nl-BE"/>
-              <a:t>Zie Scherp</a:t>
+              <a:rPr lang="nl-BE" dirty="0"/>
+              <a:t>Zie Scherp Scherper</a:t>
             </a:r>
           </a:p>
         </p:txBody>
@@ -6394,7 +6393,7 @@
           <a:p>
             <a:fld id="{D191E5E8-EEEF-4E29-B9EB-77DAD026F701}" type="datetime1">
               <a:rPr lang="nl-BE" smtClean="0"/>
-              <a:t>28/09/2020</a:t>
+              <a:t>2/05/2023</a:t>
             </a:fld>
             <a:endParaRPr lang="nl-BE"/>
           </a:p>
@@ -6422,8 +6421,8 @@
           <a:lstStyle/>
           <a:p>
             <a:r>
-              <a:rPr lang="nl-BE"/>
-              <a:t>Zie Scherp</a:t>
+              <a:rPr lang="nl-BE" dirty="0"/>
+              <a:t>Zie Scherp Scherper</a:t>
             </a:r>
           </a:p>
         </p:txBody>
@@ -6710,7 +6709,7 @@
           <a:p>
             <a:fld id="{4B6BBD82-3B46-4282-B60F-51C2629A47DD}" type="datetime1">
               <a:rPr lang="nl-BE" smtClean="0"/>
-              <a:t>28/09/2020</a:t>
+              <a:t>2/05/2023</a:t>
             </a:fld>
             <a:endParaRPr lang="nl-BE"/>
           </a:p>
@@ -6738,8 +6737,8 @@
           <a:lstStyle/>
           <a:p>
             <a:r>
-              <a:rPr lang="nl-BE"/>
-              <a:t>Zie Scherp</a:t>
+              <a:rPr lang="nl-BE" dirty="0"/>
+              <a:t>Zie Scherp Scherper</a:t>
             </a:r>
           </a:p>
         </p:txBody>
@@ -7006,7 +7005,7 @@
           <a:p>
             <a:fld id="{0DEDB961-B8A7-465C-8CC9-583443A068E0}" type="datetime1">
               <a:rPr lang="nl-BE" smtClean="0"/>
-              <a:t>28/09/2020</a:t>
+              <a:t>2/05/2023</a:t>
             </a:fld>
             <a:endParaRPr lang="nl-BE"/>
           </a:p>
@@ -7034,8 +7033,8 @@
           <a:lstStyle/>
           <a:p>
             <a:r>
-              <a:rPr lang="nl-BE"/>
-              <a:t>Zie Scherp</a:t>
+              <a:rPr lang="nl-BE" dirty="0"/>
+              <a:t>Zie Scherp Scherper</a:t>
             </a:r>
           </a:p>
         </p:txBody>
@@ -7252,7 +7251,7 @@
           <a:p>
             <a:fld id="{1BD9E0E5-F898-4E08-991D-8BBA1600FDF0}" type="datetime1">
               <a:rPr lang="nl-BE" smtClean="0"/>
-              <a:t>28/09/2020</a:t>
+              <a:t>2/05/2023</a:t>
             </a:fld>
             <a:endParaRPr lang="nl-BE"/>
           </a:p>
@@ -7298,10 +7297,9 @@
           </a:lstStyle>
           <a:p>
             <a:r>
-              <a:rPr lang="nl-BE"/>
-              <a:t>Zie Scherp</a:t>
-            </a:r>
-            <a:endParaRPr lang="nl-BE" dirty="0"/>
+              <a:rPr lang="nl-BE" dirty="0"/>
+              <a:t>Zie Scherp Scherper</a:t>
+            </a:r>
           </a:p>
         </p:txBody>
       </p:sp>
@@ -7891,12 +7889,12 @@
               </a:spcAft>
             </a:pPr>
             <a:r>
-              <a:rPr lang="nl-BE" sz="1000">
+              <a:rPr lang="nl-BE" sz="1000" dirty="0">
                 <a:solidFill>
                   <a:srgbClr val="898989"/>
                 </a:solidFill>
               </a:rPr>
-              <a:t>Zie Scherp</a:t>
+              <a:t>Zie Scherp Scherper</a:t>
             </a:r>
           </a:p>
         </p:txBody>
@@ -8300,10 +8298,9 @@
           <a:lstStyle/>
           <a:p>
             <a:r>
-              <a:rPr lang="nl-BE"/>
-              <a:t>Zie Scherp</a:t>
-            </a:r>
-            <a:endParaRPr lang="nl-BE" dirty="0"/>
+              <a:rPr lang="nl-BE" dirty="0"/>
+              <a:t>Zie Scherp Scherper</a:t>
+            </a:r>
           </a:p>
         </p:txBody>
       </p:sp>
@@ -8839,10 +8836,9 @@
           <a:lstStyle/>
           <a:p>
             <a:r>
-              <a:rPr lang="nl-BE"/>
-              <a:t>Zie Scherp</a:t>
-            </a:r>
-            <a:endParaRPr lang="nl-BE" dirty="0"/>
+              <a:rPr lang="nl-BE" dirty="0"/>
+              <a:t>Zie Scherp Scherper</a:t>
+            </a:r>
           </a:p>
         </p:txBody>
       </p:sp>
@@ -9321,10 +9317,9 @@
           <a:lstStyle/>
           <a:p>
             <a:r>
-              <a:rPr lang="nl-BE"/>
-              <a:t>Zie Scherp</a:t>
-            </a:r>
-            <a:endParaRPr lang="nl-BE" dirty="0"/>
+              <a:rPr lang="nl-BE" dirty="0"/>
+              <a:t>Zie Scherp Scherper</a:t>
+            </a:r>
           </a:p>
         </p:txBody>
       </p:sp>
@@ -9962,10 +9957,9 @@
           <a:lstStyle/>
           <a:p>
             <a:r>
-              <a:rPr lang="nl-BE"/>
-              <a:t>Zie Scherp</a:t>
-            </a:r>
-            <a:endParaRPr lang="nl-BE" dirty="0"/>
+              <a:rPr lang="nl-BE" dirty="0"/>
+              <a:t>Zie Scherp Scherper</a:t>
+            </a:r>
           </a:p>
         </p:txBody>
       </p:sp>
@@ -10764,10 +10758,9 @@
           <a:lstStyle/>
           <a:p>
             <a:r>
-              <a:rPr lang="nl-BE"/>
-              <a:t>Zie Scherp</a:t>
-            </a:r>
-            <a:endParaRPr lang="nl-BE" dirty="0"/>
+              <a:rPr lang="nl-BE" dirty="0"/>
+              <a:t>Zie Scherp Scherper</a:t>
+            </a:r>
           </a:p>
         </p:txBody>
       </p:sp>
@@ -10995,10 +10988,9 @@
           <a:lstStyle/>
           <a:p>
             <a:r>
-              <a:rPr lang="nl-BE"/>
-              <a:t>Zie Scherp</a:t>
-            </a:r>
-            <a:endParaRPr lang="nl-BE" dirty="0"/>
+              <a:rPr lang="nl-BE" dirty="0"/>
+              <a:t>Zie Scherp Scherper</a:t>
+            </a:r>
           </a:p>
         </p:txBody>
       </p:sp>
@@ -11435,10 +11427,9 @@
           <a:lstStyle/>
           <a:p>
             <a:r>
-              <a:rPr lang="nl-BE"/>
-              <a:t>Zie Scherp</a:t>
-            </a:r>
-            <a:endParaRPr lang="nl-BE" dirty="0"/>
+              <a:rPr lang="nl-BE" dirty="0"/>
+              <a:t>Zie Scherp Scherper</a:t>
+            </a:r>
           </a:p>
         </p:txBody>
       </p:sp>
@@ -11723,10 +11714,9 @@
           <a:lstStyle/>
           <a:p>
             <a:r>
-              <a:rPr lang="nl-BE"/>
-              <a:t>Zie Scherp</a:t>
-            </a:r>
-            <a:endParaRPr lang="nl-BE" dirty="0"/>
+              <a:rPr lang="nl-BE" dirty="0"/>
+              <a:t>Zie Scherp Scherper</a:t>
+            </a:r>
           </a:p>
         </p:txBody>
       </p:sp>
@@ -12028,10 +12018,9 @@
           <a:lstStyle/>
           <a:p>
             <a:r>
-              <a:rPr lang="nl-BE"/>
-              <a:t>Zie Scherp</a:t>
-            </a:r>
-            <a:endParaRPr lang="nl-BE" dirty="0"/>
+              <a:rPr lang="nl-BE" dirty="0"/>
+              <a:t>Zie Scherp Scherper</a:t>
+            </a:r>
           </a:p>
         </p:txBody>
       </p:sp>
@@ -12167,10 +12156,9 @@
           <a:lstStyle/>
           <a:p>
             <a:r>
-              <a:rPr lang="nl-BE"/>
-              <a:t>Zie scherp</a:t>
-            </a:r>
-            <a:endParaRPr lang="nl-BE" dirty="0"/>
+              <a:rPr lang="nl-BE" dirty="0"/>
+              <a:t>Zie Scherp Scherper</a:t>
+            </a:r>
           </a:p>
         </p:txBody>
       </p:sp>
@@ -13418,10 +13406,9 @@
           <a:lstStyle/>
           <a:p>
             <a:r>
-              <a:rPr lang="nl-BE"/>
-              <a:t>Zie Scherp</a:t>
-            </a:r>
-            <a:endParaRPr lang="nl-BE" dirty="0"/>
+              <a:rPr lang="nl-BE" dirty="0"/>
+              <a:t>Zie Scherp Scherper</a:t>
+            </a:r>
           </a:p>
         </p:txBody>
       </p:sp>
@@ -13822,6 +13809,302 @@
 </p:sld>
 </file>
 
+<file path=ppt/slides/slide20.xml><?xml version="1.0" encoding="utf-8"?>
+<p:sld xmlns:a="http://schemas.openxmlformats.org/drawingml/2006/main" xmlns:r="http://schemas.openxmlformats.org/officeDocument/2006/relationships" xmlns:p="http://schemas.openxmlformats.org/presentationml/2006/main">
+  <p:cSld>
+    <p:spTree>
+      <p:nvGrpSpPr>
+        <p:cNvPr id="1" name=""/>
+        <p:cNvGrpSpPr/>
+        <p:nvPr/>
+      </p:nvGrpSpPr>
+      <p:grpSpPr>
+        <a:xfrm>
+          <a:off x="0" y="0"/>
+          <a:ext cx="0" cy="0"/>
+          <a:chOff x="0" y="0"/>
+          <a:chExt cx="0" cy="0"/>
+        </a:xfrm>
+      </p:grpSpPr>
+      <p:sp>
+        <p:nvSpPr>
+          <p:cNvPr id="6" name="Rechthoek 5">
+            <a:extLst>
+              <a:ext uri="{FF2B5EF4-FFF2-40B4-BE49-F238E27FC236}">
+                <a16:creationId xmlns:a16="http://schemas.microsoft.com/office/drawing/2014/main" id="{C1CC89C1-DC1E-917B-D25E-69B5776D404F}"/>
+              </a:ext>
+            </a:extLst>
+          </p:cNvPr>
+          <p:cNvSpPr/>
+          <p:nvPr/>
+        </p:nvSpPr>
+        <p:spPr>
+          <a:xfrm>
+            <a:off x="838200" y="5085184"/>
+            <a:ext cx="10658400" cy="864096"/>
+          </a:xfrm>
+          <a:prstGeom prst="rect">
+            <a:avLst/>
+          </a:prstGeom>
+        </p:spPr>
+        <p:style>
+          <a:lnRef idx="2">
+            <a:schemeClr val="accent4">
+              <a:shade val="50000"/>
+            </a:schemeClr>
+          </a:lnRef>
+          <a:fillRef idx="1">
+            <a:schemeClr val="accent4"/>
+          </a:fillRef>
+          <a:effectRef idx="0">
+            <a:schemeClr val="accent4"/>
+          </a:effectRef>
+          <a:fontRef idx="minor">
+            <a:schemeClr val="lt1"/>
+          </a:fontRef>
+        </p:style>
+        <p:txBody>
+          <a:bodyPr rtlCol="0" anchor="ctr"/>
+          <a:lstStyle/>
+          <a:p>
+            <a:pPr algn="ctr"/>
+            <a:endParaRPr lang="nl-NL"/>
+          </a:p>
+        </p:txBody>
+      </p:sp>
+      <p:sp>
+        <p:nvSpPr>
+          <p:cNvPr id="2" name="Titel 1">
+            <a:extLst>
+              <a:ext uri="{FF2B5EF4-FFF2-40B4-BE49-F238E27FC236}">
+                <a16:creationId xmlns:a16="http://schemas.microsoft.com/office/drawing/2014/main" id="{6F8E1924-B892-8B5A-7836-BE57C96EF1D8}"/>
+              </a:ext>
+            </a:extLst>
+          </p:cNvPr>
+          <p:cNvSpPr>
+            <a:spLocks noGrp="1"/>
+          </p:cNvSpPr>
+          <p:nvPr>
+            <p:ph type="title"/>
+          </p:nvPr>
+        </p:nvSpPr>
+        <p:spPr/>
+        <p:txBody>
+          <a:bodyPr/>
+          <a:lstStyle/>
+          <a:p>
+            <a:r>
+              <a:rPr lang="en-US" dirty="0"/>
+              <a:t>Meer info</a:t>
+            </a:r>
+            <a:endParaRPr lang="nl-NL" dirty="0"/>
+          </a:p>
+        </p:txBody>
+      </p:sp>
+      <p:sp>
+        <p:nvSpPr>
+          <p:cNvPr id="3" name="Tijdelijke aanduiding voor inhoud 2">
+            <a:extLst>
+              <a:ext uri="{FF2B5EF4-FFF2-40B4-BE49-F238E27FC236}">
+                <a16:creationId xmlns:a16="http://schemas.microsoft.com/office/drawing/2014/main" id="{E732A4CC-42D6-F95B-C0C5-FF2A05D19786}"/>
+              </a:ext>
+            </a:extLst>
+          </p:cNvPr>
+          <p:cNvSpPr>
+            <a:spLocks noGrp="1"/>
+          </p:cNvSpPr>
+          <p:nvPr>
+            <p:ph idx="1"/>
+          </p:nvPr>
+        </p:nvSpPr>
+        <p:spPr>
+          <a:xfrm>
+            <a:off x="838200" y="1825624"/>
+            <a:ext cx="10515600" cy="4267671"/>
+          </a:xfrm>
+        </p:spPr>
+        <p:txBody>
+          <a:bodyPr>
+            <a:normAutofit fontScale="92500" lnSpcReduction="10000"/>
+          </a:bodyPr>
+          <a:lstStyle/>
+          <a:p>
+            <a:r>
+              <a:rPr lang="nl-BE" dirty="0"/>
+              <a:t>Slides gemaakt door </a:t>
+            </a:r>
+          </a:p>
+          <a:p>
+            <a:pPr lvl="1"/>
+            <a:r>
+              <a:rPr lang="nl-BE" dirty="0"/>
+              <a:t>Tim Dams (</a:t>
+            </a:r>
+            <a:r>
+              <a:rPr lang="nl-BE" dirty="0">
+                <a:hlinkClick r:id="rId2" action="ppaction://hlinkfile"/>
+              </a:rPr>
+              <a:t>ziescherp.be</a:t>
+            </a:r>
+            <a:r>
+              <a:rPr lang="nl-BE" dirty="0"/>
+              <a:t>), AP Hogeschool opleidingen elektronica-</a:t>
+            </a:r>
+            <a:r>
+              <a:rPr lang="nl-BE" dirty="0" err="1"/>
+              <a:t>ict</a:t>
+            </a:r>
+            <a:r>
+              <a:rPr lang="nl-BE" dirty="0"/>
+              <a:t> en toegepaste informatica</a:t>
+            </a:r>
+          </a:p>
+          <a:p>
+            <a:pPr lvl="1"/>
+            <a:endParaRPr lang="nl-BE" dirty="0"/>
+          </a:p>
+          <a:p>
+            <a:r>
+              <a:rPr lang="nl-BE" dirty="0"/>
+              <a:t>Sommige slides gebaseerd of gekopieerd van slidedecks van:</a:t>
+            </a:r>
+          </a:p>
+          <a:p>
+            <a:pPr lvl="1"/>
+            <a:r>
+              <a:rPr lang="nl-BE" sz="2200" dirty="0"/>
+              <a:t>Programmeren in C# door Douglas Bell en Mike Parr (vert. Kris Hermans)</a:t>
+            </a:r>
+          </a:p>
+          <a:p>
+            <a:pPr lvl="1"/>
+            <a:r>
+              <a:rPr lang="nl-BE" sz="2200" dirty="0"/>
+              <a:t>Microsoft Visual C# 2015: An </a:t>
+            </a:r>
+            <a:r>
+              <a:rPr lang="nl-BE" sz="2200" dirty="0" err="1"/>
+              <a:t>Introduction</a:t>
+            </a:r>
+            <a:r>
+              <a:rPr lang="nl-BE" sz="2200" dirty="0"/>
+              <a:t> </a:t>
+            </a:r>
+            <a:r>
+              <a:rPr lang="nl-BE" sz="2200" dirty="0" err="1"/>
+              <a:t>to</a:t>
+            </a:r>
+            <a:r>
+              <a:rPr lang="nl-BE" sz="2200" dirty="0"/>
+              <a:t> Object-</a:t>
+            </a:r>
+            <a:r>
+              <a:rPr lang="nl-BE" sz="2200" dirty="0" err="1"/>
+              <a:t>Oriented</a:t>
+            </a:r>
+            <a:r>
+              <a:rPr lang="nl-BE" sz="2200" dirty="0"/>
+              <a:t> Programming door Joyce </a:t>
+            </a:r>
+            <a:r>
+              <a:rPr lang="nl-BE" sz="2200" dirty="0" err="1"/>
+              <a:t>Farrell</a:t>
+            </a:r>
+            <a:endParaRPr lang="nl-BE" sz="2200" dirty="0"/>
+          </a:p>
+          <a:p>
+            <a:pPr lvl="1"/>
+            <a:r>
+              <a:rPr lang="nl-BE" dirty="0"/>
+              <a:t>E.a.</a:t>
+            </a:r>
+          </a:p>
+          <a:p>
+            <a:pPr lvl="1"/>
+            <a:endParaRPr lang="nl-BE" dirty="0"/>
+          </a:p>
+          <a:p>
+            <a:pPr lvl="1"/>
+            <a:endParaRPr lang="nl-BE" dirty="0"/>
+          </a:p>
+          <a:p>
+            <a:r>
+              <a:rPr lang="nl-BE" b="1" dirty="0"/>
+              <a:t>Slides mogen aangepast worden, op voorwaarde dat deze slide steeds achteraan de slidedeck staat.</a:t>
+            </a:r>
+          </a:p>
+        </p:txBody>
+      </p:sp>
+      <p:sp>
+        <p:nvSpPr>
+          <p:cNvPr id="4" name="Tijdelijke aanduiding voor voettekst 3">
+            <a:extLst>
+              <a:ext uri="{FF2B5EF4-FFF2-40B4-BE49-F238E27FC236}">
+                <a16:creationId xmlns:a16="http://schemas.microsoft.com/office/drawing/2014/main" id="{4C3978F3-3532-3F17-E9AB-E248272BA1E3}"/>
+              </a:ext>
+            </a:extLst>
+          </p:cNvPr>
+          <p:cNvSpPr>
+            <a:spLocks noGrp="1"/>
+          </p:cNvSpPr>
+          <p:nvPr>
+            <p:ph type="ftr" sz="quarter" idx="11"/>
+          </p:nvPr>
+        </p:nvSpPr>
+        <p:spPr/>
+        <p:txBody>
+          <a:bodyPr/>
+          <a:lstStyle/>
+          <a:p>
+            <a:r>
+              <a:rPr lang="nl-BE" dirty="0"/>
+              <a:t>Zie Scherp Scherper</a:t>
+            </a:r>
+          </a:p>
+        </p:txBody>
+      </p:sp>
+      <p:sp>
+        <p:nvSpPr>
+          <p:cNvPr id="5" name="Tijdelijke aanduiding voor dianummer 4">
+            <a:extLst>
+              <a:ext uri="{FF2B5EF4-FFF2-40B4-BE49-F238E27FC236}">
+                <a16:creationId xmlns:a16="http://schemas.microsoft.com/office/drawing/2014/main" id="{9769B4E3-C3FC-8575-9CA3-EE3F06738607}"/>
+              </a:ext>
+            </a:extLst>
+          </p:cNvPr>
+          <p:cNvSpPr>
+            <a:spLocks noGrp="1"/>
+          </p:cNvSpPr>
+          <p:nvPr>
+            <p:ph type="sldNum" sz="quarter" idx="12"/>
+          </p:nvPr>
+        </p:nvSpPr>
+        <p:spPr/>
+        <p:txBody>
+          <a:bodyPr/>
+          <a:lstStyle/>
+          <a:p>
+            <a:fld id="{E8A62353-F7CD-46ED-8877-B27D0E33FCF8}" type="slidenum">
+              <a:rPr lang="nl-BE" smtClean="0"/>
+              <a:t>20</a:t>
+            </a:fld>
+            <a:endParaRPr lang="nl-BE"/>
+          </a:p>
+        </p:txBody>
+      </p:sp>
+    </p:spTree>
+    <p:extLst>
+      <p:ext uri="{BB962C8B-B14F-4D97-AF65-F5344CB8AC3E}">
+        <p14:creationId xmlns:p14="http://schemas.microsoft.com/office/powerpoint/2010/main" val="106072752"/>
+      </p:ext>
+    </p:extLst>
+  </p:cSld>
+  <p:clrMapOvr>
+    <a:masterClrMapping/>
+  </p:clrMapOvr>
+</p:sld>
+</file>
+
 <file path=ppt/slides/slide3.xml><?xml version="1.0" encoding="utf-8"?>
 <p:sld xmlns:a="http://schemas.openxmlformats.org/drawingml/2006/main" xmlns:r="http://schemas.openxmlformats.org/officeDocument/2006/relationships" xmlns:p="http://schemas.openxmlformats.org/presentationml/2006/main">
   <p:cSld>
@@ -13914,10 +14197,9 @@
           <a:lstStyle/>
           <a:p>
             <a:r>
-              <a:rPr lang="nl-BE"/>
-              <a:t>Zie Scherp</a:t>
-            </a:r>
-            <a:endParaRPr lang="nl-BE" dirty="0"/>
+              <a:rPr lang="nl-BE" dirty="0"/>
+              <a:t>Zie Scherp Scherper</a:t>
+            </a:r>
           </a:p>
         </p:txBody>
       </p:sp>
@@ -14269,10 +14551,9 @@
           <a:lstStyle/>
           <a:p>
             <a:r>
-              <a:rPr lang="nl-BE"/>
-              <a:t>Zie Scherp</a:t>
-            </a:r>
-            <a:endParaRPr lang="nl-BE" dirty="0"/>
+              <a:rPr lang="nl-BE" dirty="0"/>
+              <a:t>Zie Scherp Scherper</a:t>
+            </a:r>
           </a:p>
         </p:txBody>
       </p:sp>
@@ -14466,10 +14747,9 @@
           <a:lstStyle/>
           <a:p>
             <a:r>
-              <a:rPr lang="nl-BE"/>
-              <a:t>Zie Scherp</a:t>
-            </a:r>
-            <a:endParaRPr lang="nl-BE" dirty="0"/>
+              <a:rPr lang="nl-BE" dirty="0"/>
+              <a:t>Zie Scherp Scherper</a:t>
+            </a:r>
           </a:p>
         </p:txBody>
       </p:sp>
@@ -15350,10 +15630,9 @@
           <a:lstStyle/>
           <a:p>
             <a:r>
-              <a:rPr lang="nl-BE"/>
-              <a:t>Zie Scherp</a:t>
-            </a:r>
-            <a:endParaRPr lang="nl-BE" dirty="0"/>
+              <a:rPr lang="nl-BE" dirty="0"/>
+              <a:t>Zie Scherp Scherper</a:t>
+            </a:r>
           </a:p>
         </p:txBody>
       </p:sp>
@@ -16105,10 +16384,9 @@
           <a:lstStyle/>
           <a:p>
             <a:r>
-              <a:rPr lang="nl-BE"/>
-              <a:t>Zie Scherp</a:t>
-            </a:r>
-            <a:endParaRPr lang="nl-BE" dirty="0"/>
+              <a:rPr lang="nl-BE" dirty="0"/>
+              <a:t>Zie Scherp Scherper</a:t>
+            </a:r>
           </a:p>
         </p:txBody>
       </p:sp>
@@ -17178,10 +17456,9 @@
           <a:lstStyle/>
           <a:p>
             <a:r>
-              <a:rPr lang="nl-BE"/>
-              <a:t>Zie Scherp</a:t>
-            </a:r>
-            <a:endParaRPr lang="nl-BE" dirty="0"/>
+              <a:rPr lang="nl-BE" dirty="0"/>
+              <a:t>Zie Scherp Scherper</a:t>
+            </a:r>
           </a:p>
         </p:txBody>
       </p:sp>
@@ -17742,10 +18019,9 @@
           <a:lstStyle/>
           <a:p>
             <a:r>
-              <a:rPr lang="nl-BE"/>
-              <a:t>Zie Scherp</a:t>
-            </a:r>
-            <a:endParaRPr lang="nl-BE" dirty="0"/>
+              <a:rPr lang="nl-BE" dirty="0"/>
+              <a:t>Zie Scherp Scherper</a:t>
+            </a:r>
           </a:p>
         </p:txBody>
       </p:sp>
